--- a/Proyecto 2/Presentación/Grupo6_Proyecto2.pptx
+++ b/Proyecto 2/Presentación/Grupo6_Proyecto2.pptx
@@ -7,6 +7,7 @@
   <p:sldIdLst>
     <p:sldId id="256" r:id="rId2"/>
     <p:sldId id="257" r:id="rId3"/>
+    <p:sldId id="258" r:id="rId4"/>
   </p:sldIdLst>
   <p:sldSz cx="12192000" cy="6858000"/>
   <p:notesSz cx="6858000" cy="9144000"/>
@@ -5903,7 +5904,7 @@
           <p:cNvPr id="4" name="Imagen 3">
             <a:extLst>
               <a:ext uri="{FF2B5EF4-FFF2-40B4-BE49-F238E27FC236}">
-                <a16:creationId xmlns="" xmlns:a16="http://schemas.microsoft.com/office/drawing/2014/main" id="{FA0DFA3F-550B-B249-6B74-EC3F1770A394}"/>
+                <a16:creationId xmlns:a16="http://schemas.microsoft.com/office/drawing/2014/main" xmlns="" id="{FA0DFA3F-550B-B249-6B74-EC3F1770A394}"/>
               </a:ext>
             </a:extLst>
           </p:cNvPr>
@@ -5969,7 +5970,7 @@
           <p:cNvPr id="4" name="Imagen 3">
             <a:extLst>
               <a:ext uri="{FF2B5EF4-FFF2-40B4-BE49-F238E27FC236}">
-                <a16:creationId xmlns="" xmlns:a16="http://schemas.microsoft.com/office/drawing/2014/main" id="{16DFC6BB-FA64-BF0E-3315-585531E8153D}"/>
+                <a16:creationId xmlns:a16="http://schemas.microsoft.com/office/drawing/2014/main" xmlns="" id="{16DFC6BB-FA64-BF0E-3315-585531E8153D}"/>
               </a:ext>
             </a:extLst>
           </p:cNvPr>
@@ -6040,6 +6041,74 @@
       </p:par>
     </p:tnLst>
   </p:timing>
+</p:sld>
+</file>
+
+<file path=ppt/slides/slide3.xml><?xml version="1.0" encoding="utf-8"?>
+<p:sld xmlns:a="http://schemas.openxmlformats.org/drawingml/2006/main" xmlns:r="http://schemas.openxmlformats.org/officeDocument/2006/relationships" xmlns:p="http://schemas.openxmlformats.org/presentationml/2006/main">
+  <p:cSld>
+    <p:spTree>
+      <p:nvGrpSpPr>
+        <p:cNvPr id="1" name=""/>
+        <p:cNvGrpSpPr/>
+        <p:nvPr/>
+      </p:nvGrpSpPr>
+      <p:grpSpPr>
+        <a:xfrm>
+          <a:off x="0" y="0"/>
+          <a:ext cx="0" cy="0"/>
+          <a:chOff x="0" y="0"/>
+          <a:chExt cx="0" cy="0"/>
+        </a:xfrm>
+      </p:grpSpPr>
+      <p:sp>
+        <p:nvSpPr>
+          <p:cNvPr id="2" name="Título 1"/>
+          <p:cNvSpPr>
+            <a:spLocks noGrp="1"/>
+          </p:cNvSpPr>
+          <p:nvPr>
+            <p:ph type="title"/>
+          </p:nvPr>
+        </p:nvSpPr>
+        <p:spPr/>
+        <p:txBody>
+          <a:bodyPr/>
+          <a:lstStyle/>
+          <a:p>
+            <a:endParaRPr lang="es-AR"/>
+          </a:p>
+        </p:txBody>
+      </p:sp>
+      <p:sp>
+        <p:nvSpPr>
+          <p:cNvPr id="3" name="Marcador de contenido 2"/>
+          <p:cNvSpPr>
+            <a:spLocks noGrp="1"/>
+          </p:cNvSpPr>
+          <p:nvPr>
+            <p:ph idx="1"/>
+          </p:nvPr>
+        </p:nvSpPr>
+        <p:spPr/>
+        <p:txBody>
+          <a:bodyPr/>
+          <a:lstStyle/>
+          <a:p>
+            <a:endParaRPr lang="es-AR"/>
+          </a:p>
+        </p:txBody>
+      </p:sp>
+    </p:spTree>
+    <p:extLst>
+      <p:ext uri="{BB962C8B-B14F-4D97-AF65-F5344CB8AC3E}">
+        <p14:creationId xmlns:p14="http://schemas.microsoft.com/office/powerpoint/2010/main" val="4025103254"/>
+      </p:ext>
+    </p:extLst>
+  </p:cSld>
+  <p:clrMapOvr>
+    <a:masterClrMapping/>
+  </p:clrMapOvr>
 </p:sld>
 </file>
 
